--- a/Images/Figures_PPT/MetamonadaHeatPlot.pptx
+++ b/Images/Figures_PPT/MetamonadaHeatPlot.pptx
@@ -5106,7 +5106,7 @@
             </a:custGeom>
             <a:ln w="10840" cap="flat">
               <a:solidFill>
-                <a:srgbClr val="2B7A8E">
+                <a:srgbClr val="8081A7">
                   <a:alpha val="100000"/>
                 </a:srgbClr>
               </a:solidFill>
@@ -5146,7 +5146,7 @@
             </a:custGeom>
             <a:ln w="10840" cap="flat">
               <a:solidFill>
-                <a:srgbClr val="440154">
+                <a:srgbClr val="D71D36">
                   <a:alpha val="100000"/>
                 </a:srgbClr>
               </a:solidFill>
@@ -5186,7 +5186,7 @@
             </a:custGeom>
             <a:ln w="10840" cap="flat">
               <a:solidFill>
-                <a:srgbClr val="45115A">
+                <a:srgbClr val="D22E42">
                   <a:alpha val="100000"/>
                 </a:srgbClr>
               </a:solidFill>
@@ -5226,7 +5226,7 @@
             </a:custGeom>
             <a:ln w="10840" cap="flat">
               <a:solidFill>
-                <a:srgbClr val="3E4C83">
+                <a:srgbClr val="A46492">
                   <a:alpha val="100000"/>
                 </a:srgbClr>
               </a:solidFill>
@@ -5266,7 +5266,7 @@
             </a:custGeom>
             <a:ln w="10840" cap="flat">
               <a:solidFill>
-                <a:srgbClr val="3A558B">
+                <a:srgbClr val="976BA1">
                   <a:alpha val="100000"/>
                 </a:srgbClr>
               </a:solidFill>
@@ -5306,7 +5306,7 @@
             </a:custGeom>
             <a:ln w="10840" cap="flat">
               <a:solidFill>
-                <a:srgbClr val="36628D">
+                <a:srgbClr val="687BC6">
                   <a:alpha val="100000"/>
                 </a:srgbClr>
               </a:solidFill>
@@ -5346,7 +5346,7 @@
             </a:custGeom>
             <a:ln w="10840" cap="flat">
               <a:solidFill>
-                <a:srgbClr val="29808D">
+                <a:srgbClr val="8C8196">
                   <a:alpha val="100000"/>
                 </a:srgbClr>
               </a:solidFill>
@@ -5386,7 +5386,7 @@
             </a:custGeom>
             <a:ln w="10840" cap="flat">
               <a:solidFill>
-                <a:srgbClr val="36648D">
+                <a:srgbClr val="607CCB">
                   <a:alpha val="100000"/>
                 </a:srgbClr>
               </a:solidFill>
@@ -5426,7 +5426,7 @@
             </a:custGeom>
             <a:ln w="10840" cap="flat">
               <a:solidFill>
-                <a:srgbClr val="375F8D">
+                <a:srgbClr val="7677BD">
                   <a:alpha val="100000"/>
                 </a:srgbClr>
               </a:solidFill>
@@ -5466,7 +5466,7 @@
             </a:custGeom>
             <a:ln w="10840" cap="flat">
               <a:solidFill>
-                <a:srgbClr val="35678D">
+                <a:srgbClr val="4B80D4">
                   <a:alpha val="100000"/>
                 </a:srgbClr>
               </a:solidFill>
@@ -5506,7 +5506,7 @@
             </a:custGeom>
             <a:ln w="10840" cap="flat">
               <a:solidFill>
-                <a:srgbClr val="326E8D">
+                <a:srgbClr val="5582CC">
                   <a:alpha val="100000"/>
                 </a:srgbClr>
               </a:solidFill>
@@ -5546,7 +5546,7 @@
             </a:custGeom>
             <a:ln w="10840" cap="flat">
               <a:solidFill>
-                <a:srgbClr val="2D9089">
+                <a:srgbClr val="A2806C">
                   <a:alpha val="100000"/>
                 </a:srgbClr>
               </a:solidFill>
@@ -5586,7 +5586,7 @@
             </a:custGeom>
             <a:ln w="10840" cap="flat">
               <a:solidFill>
-                <a:srgbClr val="29AF7F">
+                <a:srgbClr val="B88100">
                   <a:alpha val="100000"/>
                 </a:srgbClr>
               </a:solidFill>
@@ -5626,7 +5626,7 @@
             </a:custGeom>
             <a:ln w="10840" cap="flat">
               <a:solidFill>
-                <a:srgbClr val="336B8D">
+                <a:srgbClr val="3B83D8">
                   <a:alpha val="100000"/>
                 </a:srgbClr>
               </a:solidFill>
@@ -5666,7 +5666,7 @@
             </a:custGeom>
             <a:ln w="10840" cap="flat">
               <a:solidFill>
-                <a:srgbClr val="29AF7F">
+                <a:srgbClr val="B88100">
                   <a:alpha val="100000"/>
                 </a:srgbClr>
               </a:solidFill>
@@ -5706,7 +5706,7 @@
             </a:custGeom>
             <a:ln w="10840" cap="flat">
               <a:solidFill>
-                <a:srgbClr val="2DA084">
+                <a:srgbClr val="B08040">
                   <a:alpha val="100000"/>
                 </a:srgbClr>
               </a:solidFill>
@@ -5746,7 +5746,7 @@
             </a:custGeom>
             <a:ln w="10840" cap="flat">
               <a:solidFill>
-                <a:srgbClr val="2CA682">
+                <a:srgbClr val="B3812E">
                   <a:alpha val="100000"/>
                 </a:srgbClr>
               </a:solidFill>
@@ -5786,7 +5786,7 @@
             </a:custGeom>
             <a:ln w="10840" cap="flat">
               <a:solidFill>
-                <a:srgbClr val="2CA483">
+                <a:srgbClr val="B28135">
                   <a:alpha val="100000"/>
                 </a:srgbClr>
               </a:solidFill>
@@ -5826,7 +5826,7 @@
             </a:custGeom>
             <a:ln w="10840" cap="flat">
               <a:solidFill>
-                <a:srgbClr val="2DA283">
+                <a:srgbClr val="B1813B">
                   <a:alpha val="100000"/>
                 </a:srgbClr>
               </a:solidFill>
@@ -5866,7 +5866,7 @@
             </a:custGeom>
             <a:ln w="10840" cap="flat">
               <a:solidFill>
-                <a:srgbClr val="2CA383">
+                <a:srgbClr val="B18138">
                   <a:alpha val="100000"/>
                 </a:srgbClr>
               </a:solidFill>
@@ -5906,7 +5906,7 @@
             </a:custGeom>
             <a:ln w="10840" cap="flat">
               <a:solidFill>
-                <a:srgbClr val="2CA383">
+                <a:srgbClr val="B28138">
                   <a:alpha val="100000"/>
                 </a:srgbClr>
               </a:solidFill>
@@ -5954,7 +5954,7 @@
               <a:r>
                 <a:rPr sz="569">
                   <a:solidFill>
-                    <a:srgbClr val="2B7A8E">
+                    <a:srgbClr val="8081A7">
                       <a:alpha val="100000"/>
                     </a:srgbClr>
                   </a:solidFill>
@@ -6000,7 +6000,7 @@
               <a:r>
                 <a:rPr sz="569">
                   <a:solidFill>
-                    <a:srgbClr val="440154">
+                    <a:srgbClr val="D71D36">
                       <a:alpha val="100000"/>
                     </a:srgbClr>
                   </a:solidFill>
@@ -6046,7 +6046,7 @@
               <a:r>
                 <a:rPr sz="569">
                   <a:solidFill>
-                    <a:srgbClr val="45115A">
+                    <a:srgbClr val="D22E42">
                       <a:alpha val="100000"/>
                     </a:srgbClr>
                   </a:solidFill>
@@ -6092,7 +6092,7 @@
               <a:r>
                 <a:rPr sz="569">
                   <a:solidFill>
-                    <a:srgbClr val="3E4C83">
+                    <a:srgbClr val="A46492">
                       <a:alpha val="100000"/>
                     </a:srgbClr>
                   </a:solidFill>
@@ -6138,7 +6138,7 @@
               <a:r>
                 <a:rPr sz="569">
                   <a:solidFill>
-                    <a:srgbClr val="3A558B">
+                    <a:srgbClr val="976BA1">
                       <a:alpha val="100000"/>
                     </a:srgbClr>
                   </a:solidFill>
@@ -6184,7 +6184,7 @@
               <a:r>
                 <a:rPr sz="569">
                   <a:solidFill>
-                    <a:srgbClr val="36628D">
+                    <a:srgbClr val="687BC6">
                       <a:alpha val="100000"/>
                     </a:srgbClr>
                   </a:solidFill>
@@ -6230,7 +6230,7 @@
               <a:r>
                 <a:rPr sz="569">
                   <a:solidFill>
-                    <a:srgbClr val="29808D">
+                    <a:srgbClr val="8C8196">
                       <a:alpha val="100000"/>
                     </a:srgbClr>
                   </a:solidFill>
@@ -6276,7 +6276,7 @@
               <a:r>
                 <a:rPr sz="569">
                   <a:solidFill>
-                    <a:srgbClr val="36648D">
+                    <a:srgbClr val="607CCB">
                       <a:alpha val="100000"/>
                     </a:srgbClr>
                   </a:solidFill>
@@ -6322,7 +6322,7 @@
               <a:r>
                 <a:rPr sz="569">
                   <a:solidFill>
-                    <a:srgbClr val="375F8D">
+                    <a:srgbClr val="7677BD">
                       <a:alpha val="100000"/>
                     </a:srgbClr>
                   </a:solidFill>
@@ -6368,7 +6368,7 @@
               <a:r>
                 <a:rPr sz="569">
                   <a:solidFill>
-                    <a:srgbClr val="35678D">
+                    <a:srgbClr val="4B80D4">
                       <a:alpha val="100000"/>
                     </a:srgbClr>
                   </a:solidFill>
@@ -6414,7 +6414,7 @@
               <a:r>
                 <a:rPr sz="569">
                   <a:solidFill>
-                    <a:srgbClr val="326E8D">
+                    <a:srgbClr val="5582CC">
                       <a:alpha val="100000"/>
                     </a:srgbClr>
                   </a:solidFill>
@@ -6460,7 +6460,7 @@
               <a:r>
                 <a:rPr sz="569">
                   <a:solidFill>
-                    <a:srgbClr val="2D9089">
+                    <a:srgbClr val="A2806C">
                       <a:alpha val="100000"/>
                     </a:srgbClr>
                   </a:solidFill>
@@ -6506,7 +6506,7 @@
               <a:r>
                 <a:rPr sz="569">
                   <a:solidFill>
-                    <a:srgbClr val="29AF7F">
+                    <a:srgbClr val="B88100">
                       <a:alpha val="100000"/>
                     </a:srgbClr>
                   </a:solidFill>
@@ -6552,7 +6552,7 @@
               <a:r>
                 <a:rPr sz="569">
                   <a:solidFill>
-                    <a:srgbClr val="336B8D">
+                    <a:srgbClr val="3B83D8">
                       <a:alpha val="100000"/>
                     </a:srgbClr>
                   </a:solidFill>
@@ -6598,7 +6598,7 @@
               <a:r>
                 <a:rPr sz="569">
                   <a:solidFill>
-                    <a:srgbClr val="29AF7F">
+                    <a:srgbClr val="B88100">
                       <a:alpha val="100000"/>
                     </a:srgbClr>
                   </a:solidFill>
@@ -6644,7 +6644,7 @@
               <a:r>
                 <a:rPr sz="569">
                   <a:solidFill>
-                    <a:srgbClr val="2DA084">
+                    <a:srgbClr val="B08040">
                       <a:alpha val="100000"/>
                     </a:srgbClr>
                   </a:solidFill>
@@ -6690,7 +6690,7 @@
               <a:r>
                 <a:rPr sz="569">
                   <a:solidFill>
-                    <a:srgbClr val="2CA682">
+                    <a:srgbClr val="B3812E">
                       <a:alpha val="100000"/>
                     </a:srgbClr>
                   </a:solidFill>
@@ -6736,7 +6736,7 @@
               <a:r>
                 <a:rPr sz="569">
                   <a:solidFill>
-                    <a:srgbClr val="2CA483">
+                    <a:srgbClr val="B28135">
                       <a:alpha val="100000"/>
                     </a:srgbClr>
                   </a:solidFill>
@@ -6782,7 +6782,7 @@
               <a:r>
                 <a:rPr sz="569">
                   <a:solidFill>
-                    <a:srgbClr val="2DA283">
+                    <a:srgbClr val="B1813B">
                       <a:alpha val="100000"/>
                     </a:srgbClr>
                   </a:solidFill>
@@ -6828,7 +6828,7 @@
               <a:r>
                 <a:rPr sz="569">
                   <a:solidFill>
-                    <a:srgbClr val="2CA383">
+                    <a:srgbClr val="B18138">
                       <a:alpha val="100000"/>
                     </a:srgbClr>
                   </a:solidFill>
@@ -6874,7 +6874,7 @@
               <a:r>
                 <a:rPr sz="569">
                   <a:solidFill>
-                    <a:srgbClr val="2CA383">
+                    <a:srgbClr val="B28138">
                       <a:alpha val="100000"/>
                     </a:srgbClr>
                   </a:solidFill>
